--- a/Présentation.pptx
+++ b/Présentation.pptx
@@ -7428,7 +7428,7 @@
                   <a:srgbClr val="000000"/>
                 </a:solidFill>
               </a:rPr>
-              <a:t>Données non échantillonner </a:t>
+              <a:t>Données non échantillonnées </a:t>
             </a:r>
             <a:r>
               <a:rPr lang="fr-FR" sz="2000" dirty="0">
